--- a/Intermediate Workshop/Intermediate_Concepts_R.pptx
+++ b/Intermediate Workshop/Intermediate_Concepts_R.pptx
@@ -11,8 +11,9 @@
     <p:sldId id="259" r:id="rId5"/>
     <p:sldId id="260" r:id="rId6"/>
     <p:sldId id="261" r:id="rId7"/>
-    <p:sldId id="262" r:id="rId8"/>
-    <p:sldId id="263" r:id="rId9"/>
+    <p:sldId id="264" r:id="rId8"/>
+    <p:sldId id="262" r:id="rId9"/>
+    <p:sldId id="263" r:id="rId10"/>
   </p:sldIdLst>
   <p:sldSz cx="12192000" cy="6858000"/>
   <p:notesSz cx="6858000" cy="9144000"/>
@@ -6591,6 +6592,400 @@
           <p:cNvPr id="2" name="Title 1">
             <a:extLst>
               <a:ext uri="{FF2B5EF4-FFF2-40B4-BE49-F238E27FC236}">
+                <a16:creationId xmlns:a16="http://schemas.microsoft.com/office/drawing/2014/main" id="{E6D83880-76DB-4F7C-B395-74F7D46E723D}"/>
+              </a:ext>
+            </a:extLst>
+          </p:cNvPr>
+          <p:cNvSpPr>
+            <a:spLocks noGrp="1"/>
+          </p:cNvSpPr>
+          <p:nvPr>
+            <p:ph type="title"/>
+          </p:nvPr>
+        </p:nvSpPr>
+        <p:spPr/>
+        <p:txBody>
+          <a:bodyPr/>
+          <a:lstStyle/>
+          <a:p>
+            <a:r>
+              <a:rPr lang="en-CA" dirty="0"/>
+              <a:t>for loops</a:t>
+            </a:r>
+            <a:endParaRPr lang="en-US" dirty="0"/>
+          </a:p>
+        </p:txBody>
+      </p:sp>
+      <p:sp>
+        <p:nvSpPr>
+          <p:cNvPr id="3" name="Content Placeholder 2">
+            <a:extLst>
+              <a:ext uri="{FF2B5EF4-FFF2-40B4-BE49-F238E27FC236}">
+                <a16:creationId xmlns:a16="http://schemas.microsoft.com/office/drawing/2014/main" id="{CAF5BCCF-E5E7-4A9F-8A41-1A0DA80BA3B8}"/>
+              </a:ext>
+            </a:extLst>
+          </p:cNvPr>
+          <p:cNvSpPr>
+            <a:spLocks noGrp="1"/>
+          </p:cNvSpPr>
+          <p:nvPr>
+            <p:ph idx="1"/>
+          </p:nvPr>
+        </p:nvSpPr>
+        <p:spPr>
+          <a:xfrm>
+            <a:off x="1295402" y="3429000"/>
+            <a:ext cx="9601196" cy="1708204"/>
+          </a:xfrm>
+        </p:spPr>
+        <p:txBody>
+          <a:bodyPr/>
+          <a:lstStyle/>
+          <a:p>
+            <a:r>
+              <a:rPr lang="en-CA" dirty="0"/>
+              <a:t>for (</a:t>
+            </a:r>
+            <a:r>
+              <a:rPr lang="en-CA" dirty="0" err="1"/>
+              <a:t>i</a:t>
+            </a:r>
+            <a:r>
+              <a:rPr lang="en-CA" dirty="0"/>
+              <a:t> in 1 : </a:t>
+            </a:r>
+            <a:r>
+              <a:rPr lang="en-CA" dirty="0" err="1"/>
+              <a:t>nrow</a:t>
+            </a:r>
+            <a:r>
+              <a:rPr lang="en-CA" dirty="0"/>
+              <a:t>(</a:t>
+            </a:r>
+            <a:r>
+              <a:rPr lang="en-CA" dirty="0" err="1"/>
+              <a:t>dataframe</a:t>
+            </a:r>
+            <a:r>
+              <a:rPr lang="en-CA" dirty="0"/>
+              <a:t>)) {</a:t>
+            </a:r>
+            <a:br>
+              <a:rPr lang="en-US" dirty="0"/>
+            </a:br>
+            <a:r>
+              <a:rPr lang="en-US" dirty="0"/>
+              <a:t>	</a:t>
+            </a:r>
+            <a:r>
+              <a:rPr lang="en-US" dirty="0" err="1"/>
+              <a:t>dataframe$variable</a:t>
+            </a:r>
+            <a:r>
+              <a:rPr lang="en-US" dirty="0"/>
+              <a:t>[</a:t>
+            </a:r>
+            <a:r>
+              <a:rPr lang="en-US" dirty="0" err="1"/>
+              <a:t>i</a:t>
+            </a:r>
+            <a:r>
+              <a:rPr lang="en-US" dirty="0"/>
+              <a:t>] &lt;- 5 * </a:t>
+            </a:r>
+            <a:r>
+              <a:rPr lang="en-US" dirty="0" err="1"/>
+              <a:t>i</a:t>
+            </a:r>
+            <a:br>
+              <a:rPr lang="en-US" dirty="0"/>
+            </a:br>
+            <a:r>
+              <a:rPr lang="en-US" dirty="0"/>
+              <a:t>}</a:t>
+            </a:r>
+            <a:endParaRPr lang="en-CA" dirty="0"/>
+          </a:p>
+        </p:txBody>
+      </p:sp>
+      <p:sp>
+        <p:nvSpPr>
+          <p:cNvPr id="4" name="TextBox 3">
+            <a:extLst>
+              <a:ext uri="{FF2B5EF4-FFF2-40B4-BE49-F238E27FC236}">
+                <a16:creationId xmlns:a16="http://schemas.microsoft.com/office/drawing/2014/main" id="{F242B246-C6AA-493F-BE46-072D4E987630}"/>
+              </a:ext>
+            </a:extLst>
+          </p:cNvPr>
+          <p:cNvSpPr txBox="1"/>
+          <p:nvPr/>
+        </p:nvSpPr>
+        <p:spPr>
+          <a:xfrm>
+            <a:off x="1136344" y="2823501"/>
+            <a:ext cx="2219416" cy="369332"/>
+          </a:xfrm>
+          <a:prstGeom prst="rect">
+            <a:avLst/>
+          </a:prstGeom>
+          <a:noFill/>
+        </p:spPr>
+        <p:txBody>
+          <a:bodyPr wrap="square" rtlCol="0">
+            <a:spAutoFit/>
+          </a:bodyPr>
+          <a:lstStyle/>
+          <a:p>
+            <a:pPr algn="ctr"/>
+            <a:r>
+              <a:rPr lang="en-CA" b="1" dirty="0"/>
+              <a:t>Index</a:t>
+            </a:r>
+            <a:endParaRPr lang="en-US" b="1" dirty="0"/>
+          </a:p>
+        </p:txBody>
+      </p:sp>
+      <p:cxnSp>
+        <p:nvCxnSpPr>
+          <p:cNvPr id="5" name="Straight Arrow Connector 4">
+            <a:extLst>
+              <a:ext uri="{FF2B5EF4-FFF2-40B4-BE49-F238E27FC236}">
+                <a16:creationId xmlns:a16="http://schemas.microsoft.com/office/drawing/2014/main" id="{BCBDD4E7-ABC3-45FD-BE78-0206587B6DDF}"/>
+              </a:ext>
+            </a:extLst>
+          </p:cNvPr>
+          <p:cNvCxnSpPr>
+            <a:stCxn id="4" idx="2"/>
+          </p:cNvCxnSpPr>
+          <p:nvPr/>
+        </p:nvCxnSpPr>
+        <p:spPr>
+          <a:xfrm>
+            <a:off x="2246052" y="3192833"/>
+            <a:ext cx="0" cy="337845"/>
+          </a:xfrm>
+          <a:prstGeom prst="straightConnector1">
+            <a:avLst/>
+          </a:prstGeom>
+          <a:ln w="57150">
+            <a:solidFill>
+              <a:schemeClr val="tx1"/>
+            </a:solidFill>
+            <a:tailEnd type="triangle"/>
+          </a:ln>
+        </p:spPr>
+        <p:style>
+          <a:lnRef idx="1">
+            <a:schemeClr val="accent1"/>
+          </a:lnRef>
+          <a:fillRef idx="0">
+            <a:schemeClr val="accent1"/>
+          </a:fillRef>
+          <a:effectRef idx="0">
+            <a:schemeClr val="accent1"/>
+          </a:effectRef>
+          <a:fontRef idx="minor">
+            <a:schemeClr val="tx1"/>
+          </a:fontRef>
+        </p:style>
+      </p:cxnSp>
+      <p:sp>
+        <p:nvSpPr>
+          <p:cNvPr id="6" name="TextBox 5">
+            <a:extLst>
+              <a:ext uri="{FF2B5EF4-FFF2-40B4-BE49-F238E27FC236}">
+                <a16:creationId xmlns:a16="http://schemas.microsoft.com/office/drawing/2014/main" id="{1876CC33-0B93-46AB-B5F3-12326B2D4A1D}"/>
+              </a:ext>
+            </a:extLst>
+          </p:cNvPr>
+          <p:cNvSpPr txBox="1"/>
+          <p:nvPr/>
+        </p:nvSpPr>
+        <p:spPr>
+          <a:xfrm>
+            <a:off x="2800906" y="2823501"/>
+            <a:ext cx="2219416" cy="369332"/>
+          </a:xfrm>
+          <a:prstGeom prst="rect">
+            <a:avLst/>
+          </a:prstGeom>
+          <a:noFill/>
+        </p:spPr>
+        <p:txBody>
+          <a:bodyPr wrap="square" rtlCol="0">
+            <a:spAutoFit/>
+          </a:bodyPr>
+          <a:lstStyle/>
+          <a:p>
+            <a:pPr algn="ctr"/>
+            <a:r>
+              <a:rPr lang="en-CA" b="1" dirty="0"/>
+              <a:t>Index range</a:t>
+            </a:r>
+            <a:endParaRPr lang="en-US" b="1" dirty="0"/>
+          </a:p>
+        </p:txBody>
+      </p:sp>
+      <p:cxnSp>
+        <p:nvCxnSpPr>
+          <p:cNvPr id="7" name="Straight Arrow Connector 6">
+            <a:extLst>
+              <a:ext uri="{FF2B5EF4-FFF2-40B4-BE49-F238E27FC236}">
+                <a16:creationId xmlns:a16="http://schemas.microsoft.com/office/drawing/2014/main" id="{6B5D9990-44CF-405F-8638-FC7AEE9BA057}"/>
+              </a:ext>
+            </a:extLst>
+          </p:cNvPr>
+          <p:cNvCxnSpPr>
+            <a:stCxn id="6" idx="2"/>
+          </p:cNvCxnSpPr>
+          <p:nvPr/>
+        </p:nvCxnSpPr>
+        <p:spPr>
+          <a:xfrm>
+            <a:off x="3910614" y="3192833"/>
+            <a:ext cx="0" cy="337845"/>
+          </a:xfrm>
+          <a:prstGeom prst="straightConnector1">
+            <a:avLst/>
+          </a:prstGeom>
+          <a:ln w="57150">
+            <a:solidFill>
+              <a:schemeClr val="tx1"/>
+            </a:solidFill>
+            <a:tailEnd type="triangle"/>
+          </a:ln>
+        </p:spPr>
+        <p:style>
+          <a:lnRef idx="1">
+            <a:schemeClr val="accent1"/>
+          </a:lnRef>
+          <a:fillRef idx="0">
+            <a:schemeClr val="accent1"/>
+          </a:fillRef>
+          <a:effectRef idx="0">
+            <a:schemeClr val="accent1"/>
+          </a:effectRef>
+          <a:fontRef idx="minor">
+            <a:schemeClr val="tx1"/>
+          </a:fontRef>
+        </p:style>
+      </p:cxnSp>
+      <p:sp>
+        <p:nvSpPr>
+          <p:cNvPr id="8" name="TextBox 7">
+            <a:extLst>
+              <a:ext uri="{FF2B5EF4-FFF2-40B4-BE49-F238E27FC236}">
+                <a16:creationId xmlns:a16="http://schemas.microsoft.com/office/drawing/2014/main" id="{5F4D168F-A4A2-4A16-A317-91A6FA9C58EB}"/>
+              </a:ext>
+            </a:extLst>
+          </p:cNvPr>
+          <p:cNvSpPr txBox="1"/>
+          <p:nvPr/>
+        </p:nvSpPr>
+        <p:spPr>
+          <a:xfrm>
+            <a:off x="3228514" y="4625830"/>
+            <a:ext cx="1791808" cy="369332"/>
+          </a:xfrm>
+          <a:prstGeom prst="rect">
+            <a:avLst/>
+          </a:prstGeom>
+          <a:noFill/>
+        </p:spPr>
+        <p:txBody>
+          <a:bodyPr wrap="square" rtlCol="0">
+            <a:spAutoFit/>
+          </a:bodyPr>
+          <a:lstStyle/>
+          <a:p>
+            <a:pPr algn="ctr"/>
+            <a:r>
+              <a:rPr lang="en-CA" b="1" dirty="0"/>
+              <a:t>Index</a:t>
+            </a:r>
+            <a:endParaRPr lang="en-US" b="1" dirty="0"/>
+          </a:p>
+        </p:txBody>
+      </p:sp>
+      <p:cxnSp>
+        <p:nvCxnSpPr>
+          <p:cNvPr id="9" name="Straight Arrow Connector 8">
+            <a:extLst>
+              <a:ext uri="{FF2B5EF4-FFF2-40B4-BE49-F238E27FC236}">
+                <a16:creationId xmlns:a16="http://schemas.microsoft.com/office/drawing/2014/main" id="{620C5156-FF2C-4ED0-BB05-B83CE88900A2}"/>
+              </a:ext>
+            </a:extLst>
+          </p:cNvPr>
+          <p:cNvCxnSpPr>
+            <a:cxnSpLocks/>
+          </p:cNvCxnSpPr>
+          <p:nvPr/>
+        </p:nvCxnSpPr>
+        <p:spPr>
+          <a:xfrm flipV="1">
+            <a:off x="4124418" y="4287985"/>
+            <a:ext cx="0" cy="337845"/>
+          </a:xfrm>
+          <a:prstGeom prst="straightConnector1">
+            <a:avLst/>
+          </a:prstGeom>
+          <a:ln w="57150">
+            <a:solidFill>
+              <a:schemeClr val="tx1"/>
+            </a:solidFill>
+            <a:tailEnd type="triangle"/>
+          </a:ln>
+        </p:spPr>
+        <p:style>
+          <a:lnRef idx="1">
+            <a:schemeClr val="accent1"/>
+          </a:lnRef>
+          <a:fillRef idx="0">
+            <a:schemeClr val="accent1"/>
+          </a:fillRef>
+          <a:effectRef idx="0">
+            <a:schemeClr val="accent1"/>
+          </a:effectRef>
+          <a:fontRef idx="minor">
+            <a:schemeClr val="tx1"/>
+          </a:fontRef>
+        </p:style>
+      </p:cxnSp>
+    </p:spTree>
+    <p:extLst>
+      <p:ext uri="{BB962C8B-B14F-4D97-AF65-F5344CB8AC3E}">
+        <p14:creationId xmlns:p14="http://schemas.microsoft.com/office/powerpoint/2010/main" val="2371717427"/>
+      </p:ext>
+    </p:extLst>
+  </p:cSld>
+  <p:clrMapOvr>
+    <a:masterClrMapping/>
+  </p:clrMapOvr>
+</p:sld>
+</file>
+
+<file path=ppt/slides/slide8.xml><?xml version="1.0" encoding="utf-8"?>
+<p:sld xmlns:a="http://schemas.openxmlformats.org/drawingml/2006/main" xmlns:r="http://schemas.openxmlformats.org/officeDocument/2006/relationships" xmlns:p="http://schemas.openxmlformats.org/presentationml/2006/main">
+  <p:cSld>
+    <p:spTree>
+      <p:nvGrpSpPr>
+        <p:cNvPr id="1" name=""/>
+        <p:cNvGrpSpPr/>
+        <p:nvPr/>
+      </p:nvGrpSpPr>
+      <p:grpSpPr>
+        <a:xfrm>
+          <a:off x="0" y="0"/>
+          <a:ext cx="0" cy="0"/>
+          <a:chOff x="0" y="0"/>
+          <a:chExt cx="0" cy="0"/>
+        </a:xfrm>
+      </p:grpSpPr>
+      <p:sp>
+        <p:nvSpPr>
+          <p:cNvPr id="2" name="Title 1">
+            <a:extLst>
+              <a:ext uri="{FF2B5EF4-FFF2-40B4-BE49-F238E27FC236}">
                 <a16:creationId xmlns:a16="http://schemas.microsoft.com/office/drawing/2014/main" id="{603D8B32-E96C-4A1B-84D1-6F7A9DF93D83}"/>
               </a:ext>
             </a:extLst>
@@ -6682,7 +7077,7 @@
 </p:sld>
 </file>
 
-<file path=ppt/slides/slide8.xml><?xml version="1.0" encoding="utf-8"?>
+<file path=ppt/slides/slide9.xml><?xml version="1.0" encoding="utf-8"?>
 <p:sld xmlns:a="http://schemas.openxmlformats.org/drawingml/2006/main" xmlns:r="http://schemas.openxmlformats.org/officeDocument/2006/relationships" xmlns:p="http://schemas.openxmlformats.org/presentationml/2006/main">
   <p:cSld>
     <p:spTree>

--- a/Intermediate Workshop/Intermediate_Concepts_R.pptx
+++ b/Intermediate Workshop/Intermediate_Concepts_R.pptx
@@ -14,6 +14,7 @@
     <p:sldId id="264" r:id="rId8"/>
     <p:sldId id="262" r:id="rId9"/>
     <p:sldId id="263" r:id="rId10"/>
+    <p:sldId id="265" r:id="rId11"/>
   </p:sldIdLst>
   <p:sldSz cx="12192000" cy="6858000"/>
   <p:notesSz cx="6858000" cy="9144000"/>
@@ -5902,6 +5903,123 @@
 </p:sld>
 </file>
 
+<file path=ppt/slides/slide10.xml><?xml version="1.0" encoding="utf-8"?>
+<p:sld xmlns:a="http://schemas.openxmlformats.org/drawingml/2006/main" xmlns:r="http://schemas.openxmlformats.org/officeDocument/2006/relationships" xmlns:p="http://schemas.openxmlformats.org/presentationml/2006/main">
+  <p:cSld>
+    <p:spTree>
+      <p:nvGrpSpPr>
+        <p:cNvPr id="1" name=""/>
+        <p:cNvGrpSpPr/>
+        <p:nvPr/>
+      </p:nvGrpSpPr>
+      <p:grpSpPr>
+        <a:xfrm>
+          <a:off x="0" y="0"/>
+          <a:ext cx="0" cy="0"/>
+          <a:chOff x="0" y="0"/>
+          <a:chExt cx="0" cy="0"/>
+        </a:xfrm>
+      </p:grpSpPr>
+      <p:sp>
+        <p:nvSpPr>
+          <p:cNvPr id="2" name="Title 1">
+            <a:extLst>
+              <a:ext uri="{FF2B5EF4-FFF2-40B4-BE49-F238E27FC236}">
+                <a16:creationId xmlns:a16="http://schemas.microsoft.com/office/drawing/2014/main" id="{C1143891-CE25-4F7A-809D-01DA5DD89DD4}"/>
+              </a:ext>
+            </a:extLst>
+          </p:cNvPr>
+          <p:cNvSpPr>
+            <a:spLocks noGrp="1"/>
+          </p:cNvSpPr>
+          <p:nvPr>
+            <p:ph type="title"/>
+          </p:nvPr>
+        </p:nvSpPr>
+        <p:spPr/>
+        <p:txBody>
+          <a:bodyPr/>
+          <a:lstStyle/>
+          <a:p>
+            <a:r>
+              <a:rPr lang="en-CA" dirty="0"/>
+              <a:t>Troubleshooting Functions</a:t>
+            </a:r>
+            <a:endParaRPr lang="en-US" dirty="0"/>
+          </a:p>
+        </p:txBody>
+      </p:sp>
+      <p:sp>
+        <p:nvSpPr>
+          <p:cNvPr id="3" name="Content Placeholder 2">
+            <a:extLst>
+              <a:ext uri="{FF2B5EF4-FFF2-40B4-BE49-F238E27FC236}">
+                <a16:creationId xmlns:a16="http://schemas.microsoft.com/office/drawing/2014/main" id="{BF382B33-C76B-40A6-BEF0-F47D3462367C}"/>
+              </a:ext>
+            </a:extLst>
+          </p:cNvPr>
+          <p:cNvSpPr>
+            <a:spLocks noGrp="1"/>
+          </p:cNvSpPr>
+          <p:nvPr>
+            <p:ph idx="1"/>
+          </p:nvPr>
+        </p:nvSpPr>
+        <p:spPr/>
+        <p:txBody>
+          <a:bodyPr>
+            <a:normAutofit fontScale="92500" lnSpcReduction="20000"/>
+          </a:bodyPr>
+          <a:lstStyle/>
+          <a:p>
+            <a:r>
+              <a:rPr lang="en-CA" dirty="0"/>
+              <a:t>Use a test dataset with similar structure to your own data</a:t>
+            </a:r>
+          </a:p>
+          <a:p>
+            <a:endParaRPr lang="en-CA" dirty="0"/>
+          </a:p>
+          <a:p>
+            <a:r>
+              <a:rPr lang="en-CA" dirty="0"/>
+              <a:t>Set aside a code chunk to run the function line-by-line</a:t>
+            </a:r>
+          </a:p>
+          <a:p>
+            <a:endParaRPr lang="en-CA" dirty="0"/>
+          </a:p>
+          <a:p>
+            <a:r>
+              <a:rPr lang="en-CA" dirty="0"/>
+              <a:t>Know what the successful output is!</a:t>
+            </a:r>
+          </a:p>
+          <a:p>
+            <a:endParaRPr lang="en-CA" dirty="0"/>
+          </a:p>
+          <a:p>
+            <a:r>
+              <a:rPr lang="en-CA" dirty="0"/>
+              <a:t>Even if the key output is correct, any unexpected behaviour is still a broken function!</a:t>
+            </a:r>
+            <a:endParaRPr lang="en-US" dirty="0"/>
+          </a:p>
+        </p:txBody>
+      </p:sp>
+    </p:spTree>
+    <p:extLst>
+      <p:ext uri="{BB962C8B-B14F-4D97-AF65-F5344CB8AC3E}">
+        <p14:creationId xmlns:p14="http://schemas.microsoft.com/office/powerpoint/2010/main" val="3310192710"/>
+      </p:ext>
+    </p:extLst>
+  </p:cSld>
+  <p:clrMapOvr>
+    <a:masterClrMapping/>
+  </p:clrMapOvr>
+</p:sld>
+</file>
+
 <file path=ppt/slides/slide2.xml><?xml version="1.0" encoding="utf-8"?>
 <p:sld xmlns:a="http://schemas.openxmlformats.org/drawingml/2006/main" xmlns:r="http://schemas.openxmlformats.org/officeDocument/2006/relationships" xmlns:p="http://schemas.openxmlformats.org/presentationml/2006/main">
   <p:cSld>
